--- a/Smart Phone Ecosystem.pptx
+++ b/Smart Phone Ecosystem.pptx
@@ -5060,7 +5060,7 @@
       </p:grpSpPr>
       <p:sp useBgFill="1">
         <p:nvSpPr>
-          <p:cNvPr id="12" name="Rectangle 11">
+          <p:cNvPr id="23" name="Rectangle 22">
             <a:extLst>
               <a:ext uri="{FF2B5EF4-FFF2-40B4-BE49-F238E27FC236}">
                 <a16:creationId xmlns:a16="http://schemas.microsoft.com/office/drawing/2014/main" id="{3AD318CC-E2A8-4E27-9548-A047A78999B1}"/>
@@ -5156,7 +5156,7 @@
       </p:sp>
       <p:grpSp>
         <p:nvGrpSpPr>
-          <p:cNvPr id="14" name="Group 13">
+          <p:cNvPr id="25" name="Group 24">
             <a:extLst>
               <a:ext uri="{FF2B5EF4-FFF2-40B4-BE49-F238E27FC236}">
                 <a16:creationId xmlns:a16="http://schemas.microsoft.com/office/drawing/2014/main" id="{B14B560F-9DD7-4302-A60B-EBD3EF59B073}"/>
@@ -5187,7 +5187,7 @@
         </p:grpSpPr>
         <p:sp>
           <p:nvSpPr>
-            <p:cNvPr id="15" name="Rectangle 14">
+            <p:cNvPr id="26" name="Rectangle 25">
               <a:extLst>
                 <a:ext uri="{FF2B5EF4-FFF2-40B4-BE49-F238E27FC236}">
                   <a16:creationId xmlns:a16="http://schemas.microsoft.com/office/drawing/2014/main" id="{3A9A4357-BD1D-4622-A4FE-766E6AB8DE84}"/>
@@ -5248,7 +5248,7 @@
         </p:sp>
         <p:cxnSp>
           <p:nvCxnSpPr>
-            <p:cNvPr id="16" name="Straight Connector 15">
+            <p:cNvPr id="27" name="Straight Connector 26">
               <a:extLst>
                 <a:ext uri="{FF2B5EF4-FFF2-40B4-BE49-F238E27FC236}">
                   <a16:creationId xmlns:a16="http://schemas.microsoft.com/office/drawing/2014/main" id="{C21D6966-343E-49AC-A026-D2497E0C3CA1}"/>
@@ -5301,7 +5301,7 @@
       </p:grpSp>
       <p:sp>
         <p:nvSpPr>
-          <p:cNvPr id="18" name="Rectangle 17">
+          <p:cNvPr id="29" name="Rectangle 28">
             <a:extLst>
               <a:ext uri="{FF2B5EF4-FFF2-40B4-BE49-F238E27FC236}">
                 <a16:creationId xmlns:a16="http://schemas.microsoft.com/office/drawing/2014/main" id="{2C1BBA94-3F40-40AA-8BB9-E69E25E537C1}"/>
@@ -5427,7 +5427,7 @@
             <a:prstTxWarp prst="textNoShape">
               <a:avLst/>
             </a:prstTxWarp>
-            <a:normAutofit lnSpcReduction="10000"/>
+            <a:normAutofit/>
           </a:bodyPr>
           <a:lstStyle/>
           <a:p>
@@ -5444,26 +5444,13 @@
               <a:buChar char="•"/>
               <a:tabLst/>
             </a:pPr>
-            <a:r>
-              <a:rPr kumimoji="0" lang="zh-CN" altLang="zh-CN" sz="1700" b="1" i="0" u="none" strike="noStrike" cap="none" normalizeH="0" baseline="0" dirty="0">
-                <a:ln>
-                  <a:noFill/>
-                </a:ln>
-                <a:effectLst/>
-                <a:latin typeface="Arial" panose="020B0604020202020204" pitchFamily="34" charset="0"/>
-              </a:rPr>
-              <a:t>User Registration</a:t>
-            </a:r>
-            <a:r>
-              <a:rPr kumimoji="0" lang="zh-CN" altLang="zh-CN" sz="1700" b="0" i="0" u="none" strike="noStrike" cap="none" normalizeH="0" baseline="0" dirty="0">
-                <a:ln>
-                  <a:noFill/>
-                </a:ln>
-                <a:effectLst/>
-                <a:latin typeface="Arial" panose="020B0604020202020204" pitchFamily="34" charset="0"/>
-              </a:rPr>
-              <a:t>:</a:t>
-            </a:r>
+            <a:endParaRPr kumimoji="0" lang="zh-CN" altLang="zh-CN" sz="2000" b="0" i="0" u="none" strike="noStrike" cap="none" normalizeH="0" baseline="0">
+              <a:ln>
+                <a:noFill/>
+              </a:ln>
+              <a:effectLst/>
+              <a:latin typeface="Arial" panose="020B0604020202020204" pitchFamily="34" charset="0"/>
+            </a:endParaRPr>
           </a:p>
           <a:p>
             <a:pPr marL="0" marR="0" lvl="0" indent="0" defTabSz="914400" rtl="0" eaLnBrk="0" fontAlgn="base" latinLnBrk="0" hangingPunct="0">
@@ -5480,14 +5467,24 @@
               <a:tabLst/>
             </a:pPr>
             <a:r>
-              <a:rPr kumimoji="0" lang="zh-CN" altLang="zh-CN" sz="1700" b="0" i="0" u="none" strike="noStrike" cap="none" normalizeH="0" baseline="0" dirty="0">
+              <a:rPr kumimoji="0" lang="zh-CN" altLang="zh-CN" sz="2000" b="1" i="0" u="none" strike="noStrike" cap="none" normalizeH="0" baseline="0">
                 <a:ln>
                   <a:noFill/>
                 </a:ln>
                 <a:effectLst/>
                 <a:latin typeface="Arial" panose="020B0604020202020204" pitchFamily="34" charset="0"/>
               </a:rPr>
-              <a:t>Users provide their email, create a password, and complete a verification process.</a:t>
+              <a:t>User Login</a:t>
+            </a:r>
+            <a:r>
+              <a:rPr kumimoji="0" lang="zh-CN" altLang="zh-CN" sz="2000" b="0" i="0" u="none" strike="noStrike" cap="none" normalizeH="0" baseline="0">
+                <a:ln>
+                  <a:noFill/>
+                </a:ln>
+                <a:effectLst/>
+                <a:latin typeface="Arial" panose="020B0604020202020204" pitchFamily="34" charset="0"/>
+              </a:rPr>
+              <a:t>:</a:t>
             </a:r>
           </a:p>
           <a:p>
@@ -5505,22 +5502,15 @@
               <a:tabLst/>
             </a:pPr>
             <a:r>
-              <a:rPr kumimoji="0" lang="zh-CN" altLang="zh-CN" sz="1700" b="0" i="0" u="none" strike="noStrike" cap="none" normalizeH="0" baseline="0" dirty="0">
+              <a:rPr kumimoji="0" lang="zh-CN" altLang="zh-CN" sz="2000" b="0" i="0" u="none" strike="noStrike" cap="none" normalizeH="0" baseline="0">
                 <a:ln>
                   <a:noFill/>
                 </a:ln>
                 <a:effectLst/>
                 <a:latin typeface="Arial" panose="020B0604020202020204" pitchFamily="34" charset="0"/>
               </a:rPr>
-              <a:t>Verification emails are sent to confirm ownership of the email address.</a:t>
-            </a:r>
-            <a:endParaRPr kumimoji="0" lang="en-US" altLang="zh-CN" sz="1700" b="0" i="0" u="none" strike="noStrike" cap="none" normalizeH="0" baseline="0" dirty="0">
-              <a:ln>
-                <a:noFill/>
-              </a:ln>
-              <a:effectLst/>
-              <a:latin typeface="Arial" panose="020B0604020202020204" pitchFamily="34" charset="0"/>
-            </a:endParaRPr>
+              <a:t>Enter email and password in the login form.</a:t>
+            </a:r>
           </a:p>
           <a:p>
             <a:pPr marL="0" marR="0" lvl="0" indent="0" defTabSz="914400" rtl="0" eaLnBrk="0" fontAlgn="base" latinLnBrk="0" hangingPunct="0">
@@ -5536,7 +5526,17 @@
               <a:buChar char="•"/>
               <a:tabLst/>
             </a:pPr>
-            <a:endParaRPr kumimoji="0" lang="zh-CN" altLang="zh-CN" sz="1700" b="0" i="0" u="none" strike="noStrike" cap="none" normalizeH="0" baseline="0" dirty="0">
+            <a:r>
+              <a:rPr kumimoji="0" lang="zh-CN" altLang="zh-CN" sz="2000" b="0" i="0" u="none" strike="noStrike" cap="none" normalizeH="0" baseline="0">
+                <a:ln>
+                  <a:noFill/>
+                </a:ln>
+                <a:effectLst/>
+                <a:latin typeface="Arial" panose="020B0604020202020204" pitchFamily="34" charset="0"/>
+              </a:rPr>
+              <a:t>Credentials are authenticated against the database or authentication provider.</a:t>
+            </a:r>
+            <a:endParaRPr kumimoji="0" lang="en-US" altLang="zh-CN" sz="2000" b="0" i="0" u="none" strike="noStrike" cap="none" normalizeH="0" baseline="0">
               <a:ln>
                 <a:noFill/>
               </a:ln>
@@ -5558,26 +5558,13 @@
               <a:buChar char="•"/>
               <a:tabLst/>
             </a:pPr>
-            <a:r>
-              <a:rPr kumimoji="0" lang="zh-CN" altLang="zh-CN" sz="1700" b="1" i="0" u="none" strike="noStrike" cap="none" normalizeH="0" baseline="0" dirty="0">
-                <a:ln>
-                  <a:noFill/>
-                </a:ln>
-                <a:effectLst/>
-                <a:latin typeface="Arial" panose="020B0604020202020204" pitchFamily="34" charset="0"/>
-              </a:rPr>
-              <a:t>User Login</a:t>
-            </a:r>
-            <a:r>
-              <a:rPr kumimoji="0" lang="zh-CN" altLang="zh-CN" sz="1700" b="0" i="0" u="none" strike="noStrike" cap="none" normalizeH="0" baseline="0" dirty="0">
-                <a:ln>
-                  <a:noFill/>
-                </a:ln>
-                <a:effectLst/>
-                <a:latin typeface="Arial" panose="020B0604020202020204" pitchFamily="34" charset="0"/>
-              </a:rPr>
-              <a:t>:</a:t>
-            </a:r>
+            <a:endParaRPr kumimoji="0" lang="zh-CN" altLang="zh-CN" sz="2000" b="0" i="0" u="none" strike="noStrike" cap="none" normalizeH="0" baseline="0">
+              <a:ln>
+                <a:noFill/>
+              </a:ln>
+              <a:effectLst/>
+              <a:latin typeface="Arial" panose="020B0604020202020204" pitchFamily="34" charset="0"/>
+            </a:endParaRPr>
           </a:p>
           <a:p>
             <a:pPr marL="0" marR="0" lvl="0" indent="0" defTabSz="914400" rtl="0" eaLnBrk="0" fontAlgn="base" latinLnBrk="0" hangingPunct="0">
@@ -5594,14 +5581,24 @@
               <a:tabLst/>
             </a:pPr>
             <a:r>
-              <a:rPr kumimoji="0" lang="zh-CN" altLang="zh-CN" sz="1700" b="0" i="0" u="none" strike="noStrike" cap="none" normalizeH="0" baseline="0" dirty="0">
+              <a:rPr kumimoji="0" lang="zh-CN" altLang="zh-CN" sz="2000" b="1" i="0" u="none" strike="noStrike" cap="none" normalizeH="0" baseline="0">
                 <a:ln>
                   <a:noFill/>
                 </a:ln>
                 <a:effectLst/>
                 <a:latin typeface="Arial" panose="020B0604020202020204" pitchFamily="34" charset="0"/>
               </a:rPr>
-              <a:t>Enter email and password in the login form.</a:t>
+              <a:t>Forgot Password</a:t>
+            </a:r>
+            <a:r>
+              <a:rPr kumimoji="0" lang="zh-CN" altLang="zh-CN" sz="2000" b="0" i="0" u="none" strike="noStrike" cap="none" normalizeH="0" baseline="0">
+                <a:ln>
+                  <a:noFill/>
+                </a:ln>
+                <a:effectLst/>
+                <a:latin typeface="Arial" panose="020B0604020202020204" pitchFamily="34" charset="0"/>
+              </a:rPr>
+              <a:t>:</a:t>
             </a:r>
           </a:p>
           <a:p>
@@ -5619,22 +5616,15 @@
               <a:tabLst/>
             </a:pPr>
             <a:r>
-              <a:rPr kumimoji="0" lang="zh-CN" altLang="zh-CN" sz="1700" b="0" i="0" u="none" strike="noStrike" cap="none" normalizeH="0" baseline="0" dirty="0">
+              <a:rPr kumimoji="0" lang="zh-CN" altLang="zh-CN" sz="2000" b="0" i="0" u="none" strike="noStrike" cap="none" normalizeH="0" baseline="0">
                 <a:ln>
                   <a:noFill/>
                 </a:ln>
                 <a:effectLst/>
                 <a:latin typeface="Arial" panose="020B0604020202020204" pitchFamily="34" charset="0"/>
               </a:rPr>
-              <a:t>Credentials are authenticated against the database or authentication provider.</a:t>
-            </a:r>
-            <a:endParaRPr kumimoji="0" lang="en-US" altLang="zh-CN" sz="1700" b="0" i="0" u="none" strike="noStrike" cap="none" normalizeH="0" baseline="0" dirty="0">
-              <a:ln>
-                <a:noFill/>
-              </a:ln>
-              <a:effectLst/>
-              <a:latin typeface="Arial" panose="020B0604020202020204" pitchFamily="34" charset="0"/>
-            </a:endParaRPr>
+              <a:t>Provides an option to reset the password via email.</a:t>
+            </a:r>
           </a:p>
           <a:p>
             <a:pPr marL="0" marR="0" lvl="0" indent="0" defTabSz="914400" rtl="0" eaLnBrk="0" fontAlgn="base" latinLnBrk="0" hangingPunct="0">
@@ -5650,13 +5640,16 @@
               <a:buChar char="•"/>
               <a:tabLst/>
             </a:pPr>
-            <a:endParaRPr kumimoji="0" lang="zh-CN" altLang="zh-CN" sz="1700" b="0" i="0" u="none" strike="noStrike" cap="none" normalizeH="0" baseline="0" dirty="0">
-              <a:ln>
-                <a:noFill/>
-              </a:ln>
-              <a:effectLst/>
-              <a:latin typeface="Arial" panose="020B0604020202020204" pitchFamily="34" charset="0"/>
-            </a:endParaRPr>
+            <a:r>
+              <a:rPr kumimoji="0" lang="zh-CN" altLang="zh-CN" sz="2000" b="0" i="0" u="none" strike="noStrike" cap="none" normalizeH="0" baseline="0">
+                <a:ln>
+                  <a:noFill/>
+                </a:ln>
+                <a:effectLst/>
+                <a:latin typeface="Arial" panose="020B0604020202020204" pitchFamily="34" charset="0"/>
+              </a:rPr>
+              <a:t>Password reset links are sent to the registered email address.</a:t>
+            </a:r>
           </a:p>
           <a:p>
             <a:pPr marL="0" marR="0" lvl="0" indent="0" defTabSz="914400" rtl="0" eaLnBrk="0" fontAlgn="base" latinLnBrk="0" hangingPunct="0">
@@ -5669,95 +5662,10 @@
               <a:buClrTx/>
               <a:buSzTx/>
               <a:buFontTx/>
-              <a:buChar char="•"/>
+              <a:buNone/>
               <a:tabLst/>
             </a:pPr>
-            <a:r>
-              <a:rPr kumimoji="0" lang="zh-CN" altLang="zh-CN" sz="1700" b="1" i="0" u="none" strike="noStrike" cap="none" normalizeH="0" baseline="0" dirty="0">
-                <a:ln>
-                  <a:noFill/>
-                </a:ln>
-                <a:effectLst/>
-                <a:latin typeface="Arial" panose="020B0604020202020204" pitchFamily="34" charset="0"/>
-              </a:rPr>
-              <a:t>Forgot Password</a:t>
-            </a:r>
-            <a:r>
-              <a:rPr kumimoji="0" lang="zh-CN" altLang="zh-CN" sz="1700" b="0" i="0" u="none" strike="noStrike" cap="none" normalizeH="0" baseline="0" dirty="0">
-                <a:ln>
-                  <a:noFill/>
-                </a:ln>
-                <a:effectLst/>
-                <a:latin typeface="Arial" panose="020B0604020202020204" pitchFamily="34" charset="0"/>
-              </a:rPr>
-              <a:t>:</a:t>
-            </a:r>
-          </a:p>
-          <a:p>
-            <a:pPr marL="0" marR="0" lvl="0" indent="0" defTabSz="914400" rtl="0" eaLnBrk="0" fontAlgn="base" latinLnBrk="0" hangingPunct="0">
-              <a:spcBef>
-                <a:spcPct val="0"/>
-              </a:spcBef>
-              <a:spcAft>
-                <a:spcPts val="600"/>
-              </a:spcAft>
-              <a:buClrTx/>
-              <a:buSzTx/>
-              <a:buFontTx/>
-              <a:buChar char="•"/>
-              <a:tabLst/>
-            </a:pPr>
-            <a:r>
-              <a:rPr kumimoji="0" lang="zh-CN" altLang="zh-CN" sz="1700" b="0" i="0" u="none" strike="noStrike" cap="none" normalizeH="0" baseline="0" dirty="0">
-                <a:ln>
-                  <a:noFill/>
-                </a:ln>
-                <a:effectLst/>
-                <a:latin typeface="Arial" panose="020B0604020202020204" pitchFamily="34" charset="0"/>
-              </a:rPr>
-              <a:t>Provides an option to reset the password via email.</a:t>
-            </a:r>
-          </a:p>
-          <a:p>
-            <a:pPr marL="0" marR="0" lvl="0" indent="0" defTabSz="914400" rtl="0" eaLnBrk="0" fontAlgn="base" latinLnBrk="0" hangingPunct="0">
-              <a:spcBef>
-                <a:spcPct val="0"/>
-              </a:spcBef>
-              <a:spcAft>
-                <a:spcPts val="600"/>
-              </a:spcAft>
-              <a:buClrTx/>
-              <a:buSzTx/>
-              <a:buFontTx/>
-              <a:buChar char="•"/>
-              <a:tabLst/>
-            </a:pPr>
-            <a:r>
-              <a:rPr kumimoji="0" lang="zh-CN" altLang="zh-CN" sz="1700" b="0" i="0" u="none" strike="noStrike" cap="none" normalizeH="0" baseline="0" dirty="0">
-                <a:ln>
-                  <a:noFill/>
-                </a:ln>
-                <a:effectLst/>
-                <a:latin typeface="Arial" panose="020B0604020202020204" pitchFamily="34" charset="0"/>
-              </a:rPr>
-              <a:t>Password reset links are sent to the registered email address.</a:t>
-            </a:r>
-          </a:p>
-          <a:p>
-            <a:pPr marL="0" marR="0" lvl="0" indent="0" defTabSz="914400" rtl="0" eaLnBrk="0" fontAlgn="base" latinLnBrk="0" hangingPunct="0">
-              <a:spcBef>
-                <a:spcPct val="0"/>
-              </a:spcBef>
-              <a:spcAft>
-                <a:spcPts val="600"/>
-              </a:spcAft>
-              <a:buClrTx/>
-              <a:buSzTx/>
-              <a:buFontTx/>
-              <a:buNone/>
-              <a:tabLst/>
-            </a:pPr>
-            <a:endParaRPr kumimoji="0" lang="zh-CN" altLang="zh-CN" sz="1700" b="0" i="0" u="none" strike="noStrike" cap="none" normalizeH="0" baseline="0" dirty="0">
+            <a:endParaRPr kumimoji="0" lang="zh-CN" altLang="zh-CN" sz="2000" b="0" i="0" u="none" strike="noStrike" cap="none" normalizeH="0" baseline="0">
               <a:ln>
                 <a:noFill/>
               </a:ln>
